--- a/Klasifikacija ptica.pptx
+++ b/Klasifikacija ptica.pptx
@@ -4262,10 +4262,10 @@
         </p:nvGrpSpPr>
         <p:grpSpPr>
           <a:xfrm>
-            <a:off x="13282316" y="5176948"/>
-            <a:ext cx="17562194" cy="16429946"/>
+            <a:off x="13282316" y="5176947"/>
+            <a:ext cx="17562194" cy="15632736"/>
             <a:chOff x="13058880" y="23698199"/>
-            <a:chExt cx="17712132" cy="11025779"/>
+            <a:chExt cx="17712132" cy="10490789"/>
           </a:xfrm>
         </p:grpSpPr>
         <p:grpSp>
@@ -4374,7 +4374,7 @@
           <p:spPr>
             <a:xfrm>
               <a:off x="13247609" y="24880884"/>
-              <a:ext cx="17250363" cy="9843094"/>
+              <a:ext cx="17250363" cy="9108509"/>
             </a:xfrm>
             <a:prstGeom prst="rect">
               <a:avLst/>
@@ -4519,7 +4519,21 @@
                   <a:ea typeface="Al Bayan Plain" charset="-78"/>
                   <a:cs typeface="Al Bayan Plain" charset="-78"/>
                 </a:rPr>
-                <a:t>koja broji oko 18 miliona parametara.</a:t>
+                <a:t>koja broji </a:t>
+              </a:r>
+              <a:r>
+                <a:rPr lang="sr-Latn-RS" sz="3600">
+                  <a:ea typeface="Al Bayan Plain" charset="-78"/>
+                  <a:cs typeface="Al Bayan Plain" charset="-78"/>
+                </a:rPr>
+                <a:t>oko 11 </a:t>
+              </a:r>
+              <a:r>
+                <a:rPr lang="sr-Latn-RS" sz="3600" dirty="0">
+                  <a:ea typeface="Al Bayan Plain" charset="-78"/>
+                  <a:cs typeface="Al Bayan Plain" charset="-78"/>
+                </a:rPr>
+                <a:t>miliona parametara.</a:t>
               </a:r>
             </a:p>
             <a:p>
